--- a/presentation.pptx
+++ b/presentation.pptx
@@ -5,16 +5,13 @@
     <p:sldMasterId id="2147483677" r:id="rId1"/>
   </p:sldMasterIdLst>
   <p:sldIdLst>
-    <p:sldId id="256" r:id="rId2"/>
-    <p:sldId id="257" r:id="rId3"/>
+    <p:sldId id="267" r:id="rId2"/>
+    <p:sldId id="266" r:id="rId3"/>
     <p:sldId id="264" r:id="rId4"/>
     <p:sldId id="263" r:id="rId5"/>
     <p:sldId id="262" r:id="rId6"/>
-    <p:sldId id="261" r:id="rId7"/>
-    <p:sldId id="260" r:id="rId8"/>
-    <p:sldId id="258" r:id="rId9"/>
-    <p:sldId id="265" r:id="rId10"/>
-    <p:sldId id="259" r:id="rId11"/>
+    <p:sldId id="260" r:id="rId7"/>
+    <p:sldId id="256" r:id="rId8"/>
   </p:sldIdLst>
   <p:sldSz cx="12192000" cy="6858000"/>
   <p:notesSz cx="6858000" cy="9144000"/>
@@ -113,6 +110,11 @@
       </a:defRPr>
     </a:lvl9pPr>
   </p:defaultTextStyle>
+  <p:extLst>
+    <p:ext uri="{EFAFB233-063F-42B5-8137-9DF3F51BA10A}">
+      <p15:sldGuideLst xmlns:p15="http://schemas.microsoft.com/office/powerpoint/2012/main"/>
+    </p:ext>
+  </p:extLst>
 </p:presentation>
 </file>
 
@@ -861,7 +863,7 @@
           <a:p>
             <a:fld id="{086C514E-0072-4EF0-974A-A1077D573D55}" type="datetimeFigureOut">
               <a:rPr lang="en-IN" smtClean="0"/>
-              <a:t>26-04-2019</a:t>
+              <a:t>27-04-2019</a:t>
             </a:fld>
             <a:endParaRPr lang="en-IN"/>
           </a:p>
@@ -1112,7 +1114,7 @@
           <a:p>
             <a:fld id="{086C514E-0072-4EF0-974A-A1077D573D55}" type="datetimeFigureOut">
               <a:rPr lang="en-IN" smtClean="0"/>
-              <a:t>26-04-2019</a:t>
+              <a:t>27-04-2019</a:t>
             </a:fld>
             <a:endParaRPr lang="en-IN"/>
           </a:p>
@@ -1426,7 +1428,7 @@
           <a:p>
             <a:fld id="{086C514E-0072-4EF0-974A-A1077D573D55}" type="datetimeFigureOut">
               <a:rPr lang="en-IN" smtClean="0"/>
-              <a:t>26-04-2019</a:t>
+              <a:t>27-04-2019</a:t>
             </a:fld>
             <a:endParaRPr lang="en-IN"/>
           </a:p>
@@ -1759,7 +1761,7 @@
           <a:p>
             <a:fld id="{086C514E-0072-4EF0-974A-A1077D573D55}" type="datetimeFigureOut">
               <a:rPr lang="en-IN" smtClean="0"/>
-              <a:t>26-04-2019</a:t>
+              <a:t>27-04-2019</a:t>
             </a:fld>
             <a:endParaRPr lang="en-IN"/>
           </a:p>
@@ -2073,7 +2075,7 @@
           <a:p>
             <a:fld id="{086C514E-0072-4EF0-974A-A1077D573D55}" type="datetimeFigureOut">
               <a:rPr lang="en-IN" smtClean="0"/>
-              <a:t>26-04-2019</a:t>
+              <a:t>27-04-2019</a:t>
             </a:fld>
             <a:endParaRPr lang="en-IN"/>
           </a:p>
@@ -2466,7 +2468,7 @@
           <a:p>
             <a:fld id="{086C514E-0072-4EF0-974A-A1077D573D55}" type="datetimeFigureOut">
               <a:rPr lang="en-IN" smtClean="0"/>
-              <a:t>26-04-2019</a:t>
+              <a:t>27-04-2019</a:t>
             </a:fld>
             <a:endParaRPr lang="en-IN"/>
           </a:p>
@@ -2636,7 +2638,7 @@
           <a:p>
             <a:fld id="{086C514E-0072-4EF0-974A-A1077D573D55}" type="datetimeFigureOut">
               <a:rPr lang="en-IN" smtClean="0"/>
-              <a:t>26-04-2019</a:t>
+              <a:t>27-04-2019</a:t>
             </a:fld>
             <a:endParaRPr lang="en-IN"/>
           </a:p>
@@ -2816,7 +2818,7 @@
           <a:p>
             <a:fld id="{086C514E-0072-4EF0-974A-A1077D573D55}" type="datetimeFigureOut">
               <a:rPr lang="en-IN" smtClean="0"/>
-              <a:t>26-04-2019</a:t>
+              <a:t>27-04-2019</a:t>
             </a:fld>
             <a:endParaRPr lang="en-IN"/>
           </a:p>
@@ -2986,7 +2988,7 @@
           <a:p>
             <a:fld id="{086C514E-0072-4EF0-974A-A1077D573D55}" type="datetimeFigureOut">
               <a:rPr lang="en-IN" smtClean="0"/>
-              <a:t>26-04-2019</a:t>
+              <a:t>27-04-2019</a:t>
             </a:fld>
             <a:endParaRPr lang="en-IN"/>
           </a:p>
@@ -3233,7 +3235,7 @@
           <a:p>
             <a:fld id="{086C514E-0072-4EF0-974A-A1077D573D55}" type="datetimeFigureOut">
               <a:rPr lang="en-IN" smtClean="0"/>
-              <a:t>26-04-2019</a:t>
+              <a:t>27-04-2019</a:t>
             </a:fld>
             <a:endParaRPr lang="en-IN"/>
           </a:p>
@@ -3465,7 +3467,7 @@
           <a:p>
             <a:fld id="{086C514E-0072-4EF0-974A-A1077D573D55}" type="datetimeFigureOut">
               <a:rPr lang="en-IN" smtClean="0"/>
-              <a:t>26-04-2019</a:t>
+              <a:t>27-04-2019</a:t>
             </a:fld>
             <a:endParaRPr lang="en-IN"/>
           </a:p>
@@ -3839,7 +3841,7 @@
           <a:p>
             <a:fld id="{086C514E-0072-4EF0-974A-A1077D573D55}" type="datetimeFigureOut">
               <a:rPr lang="en-IN" smtClean="0"/>
-              <a:t>26-04-2019</a:t>
+              <a:t>27-04-2019</a:t>
             </a:fld>
             <a:endParaRPr lang="en-IN"/>
           </a:p>
@@ -3962,7 +3964,7 @@
           <a:p>
             <a:fld id="{086C514E-0072-4EF0-974A-A1077D573D55}" type="datetimeFigureOut">
               <a:rPr lang="en-IN" smtClean="0"/>
-              <a:t>26-04-2019</a:t>
+              <a:t>27-04-2019</a:t>
             </a:fld>
             <a:endParaRPr lang="en-IN"/>
           </a:p>
@@ -4057,7 +4059,7 @@
           <a:p>
             <a:fld id="{086C514E-0072-4EF0-974A-A1077D573D55}" type="datetimeFigureOut">
               <a:rPr lang="en-IN" smtClean="0"/>
-              <a:t>26-04-2019</a:t>
+              <a:t>27-04-2019</a:t>
             </a:fld>
             <a:endParaRPr lang="en-IN"/>
           </a:p>
@@ -4312,7 +4314,7 @@
           <a:p>
             <a:fld id="{086C514E-0072-4EF0-974A-A1077D573D55}" type="datetimeFigureOut">
               <a:rPr lang="en-IN" smtClean="0"/>
-              <a:t>26-04-2019</a:t>
+              <a:t>27-04-2019</a:t>
             </a:fld>
             <a:endParaRPr lang="en-IN"/>
           </a:p>
@@ -4617,7 +4619,7 @@
           <a:p>
             <a:fld id="{086C514E-0072-4EF0-974A-A1077D573D55}" type="datetimeFigureOut">
               <a:rPr lang="en-IN" smtClean="0"/>
-              <a:t>26-04-2019</a:t>
+              <a:t>27-04-2019</a:t>
             </a:fld>
             <a:endParaRPr lang="en-IN"/>
           </a:p>
@@ -5319,7 +5321,7 @@
           <a:p>
             <a:fld id="{086C514E-0072-4EF0-974A-A1077D573D55}" type="datetimeFigureOut">
               <a:rPr lang="en-IN" smtClean="0"/>
-              <a:t>26-04-2019</a:t>
+              <a:t>27-04-2019</a:t>
             </a:fld>
             <a:endParaRPr lang="en-IN"/>
           </a:p>
@@ -5848,7 +5850,7 @@
           <p:cNvPr id="2" name="Title 1">
             <a:extLst>
               <a:ext uri="{FF2B5EF4-FFF2-40B4-BE49-F238E27FC236}">
-                <a16:creationId xmlns:a16="http://schemas.microsoft.com/office/drawing/2014/main" id="{003B68D0-DE07-40B2-97BD-3C3E5FCE55B4}"/>
+                <a16:creationId xmlns:a16="http://schemas.microsoft.com/office/drawing/2014/main" id="{0CF31D43-0992-4480-B92B-E3BFCFCCA7E9}"/>
               </a:ext>
             </a:extLst>
           </p:cNvPr>
@@ -5856,309 +5858,59 @@
             <a:spLocks noGrp="1"/>
           </p:cNvSpPr>
           <p:nvPr>
-            <p:ph type="ctrTitle"/>
-          </p:nvPr>
-        </p:nvSpPr>
-        <p:spPr>
-          <a:xfrm>
-            <a:off x="1524000" y="516835"/>
-            <a:ext cx="9144000" cy="954156"/>
-          </a:xfrm>
-        </p:spPr>
-        <p:txBody>
-          <a:bodyPr>
-            <a:normAutofit/>
-          </a:bodyPr>
-          <a:lstStyle/>
-          <a:p>
-            <a:pPr algn="ctr"/>
-            <a:r>
-              <a:rPr lang="en-IN" sz="4800" b="1" dirty="0">
-                <a:solidFill>
-                  <a:schemeClr val="accent6">
-                    <a:lumMod val="50000"/>
-                  </a:schemeClr>
-                </a:solidFill>
-              </a:rPr>
-              <a:t>CONTACT INFORMATION</a:t>
-            </a:r>
-          </a:p>
-        </p:txBody>
-      </p:sp>
-      <p:sp>
-        <p:nvSpPr>
-          <p:cNvPr id="3" name="Subtitle 2">
+            <p:ph type="title"/>
+          </p:nvPr>
+        </p:nvSpPr>
+        <p:spPr/>
+        <p:txBody>
+          <a:bodyPr/>
+          <a:lstStyle/>
+          <a:p>
+            <a:r>
+              <a:rPr lang="en-IN" dirty="0"/>
+              <a:t>WEBFRAMEWORKS  PROJECT</a:t>
+            </a:r>
+          </a:p>
+        </p:txBody>
+      </p:sp>
+      <p:pic>
+        <p:nvPicPr>
+          <p:cNvPr id="5" name="Content Placeholder 4">
             <a:extLst>
               <a:ext uri="{FF2B5EF4-FFF2-40B4-BE49-F238E27FC236}">
-                <a16:creationId xmlns:a16="http://schemas.microsoft.com/office/drawing/2014/main" id="{578A04F7-B859-4C2D-A366-E385BAF7A612}"/>
+                <a16:creationId xmlns:a16="http://schemas.microsoft.com/office/drawing/2014/main" id="{52763947-E8BF-459B-88F7-C8EC209F4AE8}"/>
               </a:ext>
             </a:extLst>
           </p:cNvPr>
-          <p:cNvSpPr>
-            <a:spLocks noGrp="1"/>
-          </p:cNvSpPr>
-          <p:nvPr>
-            <p:ph type="subTitle" idx="1"/>
-          </p:nvPr>
-        </p:nvSpPr>
+          <p:cNvPicPr>
+            <a:picLocks noGrp="1" noChangeAspect="1"/>
+          </p:cNvPicPr>
+          <p:nvPr>
+            <p:ph idx="1"/>
+          </p:nvPr>
+        </p:nvPicPr>
+        <p:blipFill rotWithShape="1">
+          <a:blip r:embed="rId2">
+            <a:extLst>
+              <a:ext uri="{28A0092B-C50C-407E-A947-70E740481C1C}">
+                <a14:useLocalDpi xmlns:a14="http://schemas.microsoft.com/office/drawing/2010/main" val="0"/>
+              </a:ext>
+            </a:extLst>
+          </a:blip>
+          <a:srcRect t="13583" b="5034"/>
+          <a:stretch/>
+        </p:blipFill>
         <p:spPr>
           <a:xfrm>
-            <a:off x="1524000" y="1775791"/>
-            <a:ext cx="9144000" cy="4267200"/>
+            <a:off x="1525853" y="2687783"/>
+            <a:ext cx="6900332" cy="3158836"/>
           </a:xfrm>
         </p:spPr>
-        <p:txBody>
-          <a:bodyPr numCol="3"/>
-          <a:lstStyle/>
-          <a:p>
-            <a:endParaRPr lang="en-IN" dirty="0"/>
-          </a:p>
-          <a:p>
-            <a:pPr marL="342900" indent="-342900" algn="l">
-              <a:buFont typeface="Arial" panose="020B0604020202020204" pitchFamily="34" charset="0"/>
-              <a:buChar char="•"/>
-            </a:pPr>
-            <a:r>
-              <a:rPr lang="en-IN" sz="2000" dirty="0">
-                <a:solidFill>
-                  <a:schemeClr val="tx1"/>
-                </a:solidFill>
-              </a:rPr>
-              <a:t>      KHUSHI M </a:t>
-            </a:r>
-            <a:r>
-              <a:rPr lang="en-IN" sz="1800" dirty="0">
-                <a:solidFill>
-                  <a:schemeClr val="tx1"/>
-                </a:solidFill>
-              </a:rPr>
-              <a:t>PES1201701416  </a:t>
-            </a:r>
-            <a:r>
-              <a:rPr lang="en-IN" sz="1800" dirty="0">
-                <a:solidFill>
-                  <a:schemeClr val="tx1"/>
-                </a:solidFill>
-                <a:hlinkClick r:id="rId2"/>
-              </a:rPr>
-              <a:t>khushim13@gmail.com</a:t>
-            </a:r>
-            <a:endParaRPr lang="en-IN" sz="1800" dirty="0">
-              <a:solidFill>
-                <a:schemeClr val="tx1"/>
-              </a:solidFill>
-            </a:endParaRPr>
-          </a:p>
-          <a:p>
-            <a:pPr marL="342900" indent="-342900" algn="l">
-              <a:buFont typeface="Arial" panose="020B0604020202020204" pitchFamily="34" charset="0"/>
-              <a:buChar char="•"/>
-            </a:pPr>
-            <a:endParaRPr lang="en-IN" sz="1800" dirty="0">
-              <a:solidFill>
-                <a:schemeClr val="tx1"/>
-              </a:solidFill>
-            </a:endParaRPr>
-          </a:p>
-          <a:p>
-            <a:pPr marL="342900" indent="-342900" algn="ctr">
-              <a:buFont typeface="Arial" panose="020B0604020202020204" pitchFamily="34" charset="0"/>
-              <a:buChar char="•"/>
-            </a:pPr>
-            <a:r>
-              <a:rPr lang="en-IN" sz="2000" dirty="0">
-                <a:solidFill>
-                  <a:schemeClr val="tx1"/>
-                </a:solidFill>
-              </a:rPr>
-              <a:t>VARSHA C</a:t>
-            </a:r>
-          </a:p>
-          <a:p>
-            <a:pPr lvl="1"/>
-            <a:r>
-              <a:rPr lang="en-IN" sz="1800" dirty="0">
-                <a:solidFill>
-                  <a:schemeClr val="tx1"/>
-                </a:solidFill>
-              </a:rPr>
-              <a:t>PES1201701387</a:t>
-            </a:r>
-          </a:p>
-          <a:p>
-            <a:pPr lvl="1" algn="l"/>
-            <a:r>
-              <a:rPr lang="en-IN" sz="1800" dirty="0">
-                <a:solidFill>
-                  <a:schemeClr val="tx1"/>
-                </a:solidFill>
-              </a:rPr>
-              <a:t>varshamahadev30@gmai</a:t>
-            </a:r>
-          </a:p>
-          <a:p>
-            <a:pPr marL="342900" indent="-342900" algn="ctr">
-              <a:buFont typeface="Arial" panose="020B0604020202020204" pitchFamily="34" charset="0"/>
-              <a:buChar char="•"/>
-            </a:pPr>
-            <a:r>
-              <a:rPr lang="en-IN" sz="2000" dirty="0">
-                <a:solidFill>
-                  <a:schemeClr val="tx1"/>
-                </a:solidFill>
-              </a:rPr>
-              <a:t>RADHIKA S</a:t>
-            </a:r>
-          </a:p>
-          <a:p>
-            <a:pPr lvl="1"/>
-            <a:r>
-              <a:rPr lang="en-IN" sz="1800" dirty="0">
-                <a:solidFill>
-                  <a:schemeClr val="tx1"/>
-                </a:solidFill>
-              </a:rPr>
-              <a:t>PES1201701702</a:t>
-            </a:r>
-          </a:p>
-        </p:txBody>
-      </p:sp>
+      </p:pic>
     </p:spTree>
     <p:extLst>
       <p:ext uri="{BB962C8B-B14F-4D97-AF65-F5344CB8AC3E}">
-        <p14:creationId xmlns:p14="http://schemas.microsoft.com/office/powerpoint/2010/main" val="2456725575"/>
-      </p:ext>
-    </p:extLst>
-  </p:cSld>
-  <p:clrMapOvr>
-    <a:masterClrMapping/>
-  </p:clrMapOvr>
-</p:sld>
-</file>
-
-<file path=ppt/slides/slide10.xml><?xml version="1.0" encoding="utf-8"?>
-<p:sld xmlns:a="http://schemas.openxmlformats.org/drawingml/2006/main" xmlns:r="http://schemas.openxmlformats.org/officeDocument/2006/relationships" xmlns:p="http://schemas.openxmlformats.org/presentationml/2006/main">
-  <p:cSld>
-    <p:spTree>
-      <p:nvGrpSpPr>
-        <p:cNvPr id="1" name=""/>
-        <p:cNvGrpSpPr/>
-        <p:nvPr/>
-      </p:nvGrpSpPr>
-      <p:grpSpPr>
-        <a:xfrm>
-          <a:off x="0" y="0"/>
-          <a:ext cx="0" cy="0"/>
-          <a:chOff x="0" y="0"/>
-          <a:chExt cx="0" cy="0"/>
-        </a:xfrm>
-      </p:grpSpPr>
-      <p:sp>
-        <p:nvSpPr>
-          <p:cNvPr id="2" name="Title 1">
-            <a:extLst>
-              <a:ext uri="{FF2B5EF4-FFF2-40B4-BE49-F238E27FC236}">
-                <a16:creationId xmlns:a16="http://schemas.microsoft.com/office/drawing/2014/main" id="{FA941D69-09A0-40EE-8C4C-C2CE5BB51796}"/>
-              </a:ext>
-            </a:extLst>
-          </p:cNvPr>
-          <p:cNvSpPr>
-            <a:spLocks noGrp="1"/>
-          </p:cNvSpPr>
-          <p:nvPr>
-            <p:ph type="title"/>
-          </p:nvPr>
-        </p:nvSpPr>
-        <p:spPr>
-          <a:xfrm>
-            <a:off x="677334" y="609600"/>
-            <a:ext cx="8596668" cy="755374"/>
-          </a:xfrm>
-        </p:spPr>
-        <p:txBody>
-          <a:bodyPr/>
-          <a:lstStyle/>
-          <a:p>
-            <a:r>
-              <a:rPr lang="en-IN" b="1" dirty="0">
-                <a:solidFill>
-                  <a:schemeClr val="tx1"/>
-                </a:solidFill>
-              </a:rPr>
-              <a:t>WEBSITE DESCRIPTION</a:t>
-            </a:r>
-          </a:p>
-        </p:txBody>
-      </p:sp>
-      <p:sp>
-        <p:nvSpPr>
-          <p:cNvPr id="3" name="Content Placeholder 2">
-            <a:extLst>
-              <a:ext uri="{FF2B5EF4-FFF2-40B4-BE49-F238E27FC236}">
-                <a16:creationId xmlns:a16="http://schemas.microsoft.com/office/drawing/2014/main" id="{A0C1EC68-9C35-4227-9E04-BD7C47824149}"/>
-              </a:ext>
-            </a:extLst>
-          </p:cNvPr>
-          <p:cNvSpPr>
-            <a:spLocks noGrp="1"/>
-          </p:cNvSpPr>
-          <p:nvPr>
-            <p:ph idx="1"/>
-          </p:nvPr>
-        </p:nvSpPr>
-        <p:spPr/>
-        <p:txBody>
-          <a:bodyPr/>
-          <a:lstStyle/>
-          <a:p>
-            <a:pPr marL="0" indent="0">
-              <a:buNone/>
-            </a:pPr>
-            <a:r>
-              <a:rPr lang="en-IN" dirty="0">
-                <a:solidFill>
-                  <a:schemeClr val="tx1"/>
-                </a:solidFill>
-              </a:rPr>
-              <a:t>In our website one can upload bills and  through that we can claim our refund.</a:t>
-            </a:r>
-          </a:p>
-          <a:p>
-            <a:pPr marL="0" indent="0">
-              <a:buNone/>
-            </a:pPr>
-            <a:endParaRPr lang="en-IN" dirty="0">
-              <a:solidFill>
-                <a:schemeClr val="tx1"/>
-              </a:solidFill>
-            </a:endParaRPr>
-          </a:p>
-          <a:p>
-            <a:pPr marL="0" indent="0">
-              <a:buNone/>
-            </a:pPr>
-            <a:endParaRPr lang="en-IN" dirty="0">
-              <a:solidFill>
-                <a:schemeClr val="tx1"/>
-              </a:solidFill>
-            </a:endParaRPr>
-          </a:p>
-          <a:p>
-            <a:pPr marL="0" indent="0">
-              <a:buNone/>
-            </a:pPr>
-            <a:endParaRPr lang="en-IN" dirty="0">
-              <a:solidFill>
-                <a:schemeClr val="tx1"/>
-              </a:solidFill>
-            </a:endParaRPr>
-          </a:p>
-        </p:txBody>
-      </p:sp>
-    </p:spTree>
-    <p:extLst>
-      <p:ext uri="{BB962C8B-B14F-4D97-AF65-F5344CB8AC3E}">
-        <p14:creationId xmlns:p14="http://schemas.microsoft.com/office/powerpoint/2010/main" val="1823912220"/>
+        <p14:creationId xmlns:p14="http://schemas.microsoft.com/office/powerpoint/2010/main" val="1623083337"/>
       </p:ext>
     </p:extLst>
   </p:cSld>
@@ -6190,7 +5942,7 @@
           <p:cNvPr id="2" name="Title 1">
             <a:extLst>
               <a:ext uri="{FF2B5EF4-FFF2-40B4-BE49-F238E27FC236}">
-                <a16:creationId xmlns:a16="http://schemas.microsoft.com/office/drawing/2014/main" id="{257D3561-AFB1-43D0-BA5F-EF7073D25CBC}"/>
+                <a16:creationId xmlns:a16="http://schemas.microsoft.com/office/drawing/2014/main" id="{8D88BEDA-591D-4C50-96B8-F2A57DE70B7B}"/>
               </a:ext>
             </a:extLst>
           </p:cNvPr>
@@ -6201,25 +5953,89 @@
             <p:ph type="title"/>
           </p:nvPr>
         </p:nvSpPr>
-        <p:spPr>
-          <a:xfrm>
-            <a:off x="1260430" y="1113183"/>
-            <a:ext cx="8596668" cy="3564834"/>
-          </a:xfrm>
-        </p:spPr>
+        <p:spPr/>
         <p:txBody>
           <a:bodyPr/>
           <a:lstStyle/>
           <a:p>
             <a:pPr algn="ctr"/>
+            <a:r>
+              <a:rPr lang="en-IN" dirty="0"/>
+              <a:t>		THE BILLING SYSTEM: </a:t>
+            </a:r>
+            <a:br>
+              <a:rPr lang="en-IN" dirty="0"/>
+            </a:br>
+            <a:r>
+              <a:rPr lang="en-IN" dirty="0"/>
+              <a:t>Website Description</a:t>
+            </a:r>
+          </a:p>
+        </p:txBody>
+      </p:sp>
+      <p:sp>
+        <p:nvSpPr>
+          <p:cNvPr id="3" name="Content Placeholder 2">
+            <a:extLst>
+              <a:ext uri="{FF2B5EF4-FFF2-40B4-BE49-F238E27FC236}">
+                <a16:creationId xmlns:a16="http://schemas.microsoft.com/office/drawing/2014/main" id="{F3BC069E-0A31-4EDE-B5C6-8A62C4AEA650}"/>
+              </a:ext>
+            </a:extLst>
+          </p:cNvPr>
+          <p:cNvSpPr>
+            <a:spLocks noGrp="1"/>
+          </p:cNvSpPr>
+          <p:nvPr>
+            <p:ph idx="1"/>
+          </p:nvPr>
+        </p:nvSpPr>
+        <p:spPr/>
+        <p:txBody>
+          <a:bodyPr/>
+          <a:lstStyle/>
+          <a:p>
+            <a:r>
+              <a:rPr lang="en-IN" dirty="0"/>
+              <a:t>BILLING SYSTEM:</a:t>
+            </a:r>
+          </a:p>
+          <a:p>
             <a:endParaRPr lang="en-IN" dirty="0"/>
+          </a:p>
+          <a:p>
+            <a:r>
+              <a:rPr lang="en-IN" dirty="0"/>
+              <a:t>This project mainly aims at students who want to claim their bills incurred while organizing events in college. This was actually the 3</a:t>
+            </a:r>
+            <a:r>
+              <a:rPr lang="en-IN" baseline="30000" dirty="0"/>
+              <a:t>rd</a:t>
+            </a:r>
+            <a:r>
+              <a:rPr lang="en-IN" dirty="0"/>
+              <a:t> semester project made using </a:t>
+            </a:r>
+            <a:r>
+              <a:rPr lang="en-IN" dirty="0" err="1"/>
+              <a:t>html,css,js</a:t>
+            </a:r>
+            <a:r>
+              <a:rPr lang="en-IN" dirty="0"/>
+              <a:t> and bootstrap.</a:t>
+            </a:r>
+          </a:p>
+          <a:p>
+            <a:r>
+              <a:rPr lang="en-IN" dirty="0"/>
+              <a:t>Now, we have made it using Django framework. </a:t>
+            </a:r>
           </a:p>
         </p:txBody>
       </p:sp>
     </p:spTree>
     <p:extLst>
       <p:ext uri="{BB962C8B-B14F-4D97-AF65-F5344CB8AC3E}">
-        <p14:creationId xmlns:p14="http://schemas.microsoft.com/office/powerpoint/2010/main" val="3629599621"/>
+        <p14:creationId xmlns:p14="http://schemas.microsoft.com/office/powerpoint/2010/main" val="3333533359"/>
       </p:ext>
     </p:extLst>
   </p:cSld>
@@ -6299,7 +6115,40 @@
           <a:bodyPr/>
           <a:lstStyle/>
           <a:p>
-            <a:endParaRPr lang="en-IN"/>
+            <a:r>
+              <a:rPr lang="en-IN" dirty="0"/>
+              <a:t>Khushi M:</a:t>
+            </a:r>
+          </a:p>
+          <a:p>
+            <a:r>
+              <a:rPr lang="en-IN" dirty="0"/>
+              <a:t>Did the login logout</a:t>
+            </a:r>
+          </a:p>
+          <a:p>
+            <a:r>
+              <a:rPr lang="en-IN" dirty="0"/>
+              <a:t>Varsha C:</a:t>
+            </a:r>
+          </a:p>
+          <a:p>
+            <a:r>
+              <a:rPr lang="en-IN" dirty="0"/>
+              <a:t>Did the models and the views</a:t>
+            </a:r>
+          </a:p>
+          <a:p>
+            <a:r>
+              <a:rPr lang="en-IN" dirty="0"/>
+              <a:t>Radhika S:</a:t>
+            </a:r>
+          </a:p>
+          <a:p>
+            <a:r>
+              <a:rPr lang="en-IN" dirty="0"/>
+              <a:t>Deploying on git and python anywhere and creating views.</a:t>
+            </a:r>
           </a:p>
         </p:txBody>
       </p:sp>
@@ -6365,31 +6214,40 @@
           </a:p>
         </p:txBody>
       </p:sp>
-      <p:sp>
-        <p:nvSpPr>
-          <p:cNvPr id="3" name="Content Placeholder 2">
+      <p:pic>
+        <p:nvPicPr>
+          <p:cNvPr id="5" name="Content Placeholder 4">
             <a:extLst>
               <a:ext uri="{FF2B5EF4-FFF2-40B4-BE49-F238E27FC236}">
-                <a16:creationId xmlns:a16="http://schemas.microsoft.com/office/drawing/2014/main" id="{D99190B3-3736-4CB0-910B-660276DEFFC1}"/>
+                <a16:creationId xmlns:a16="http://schemas.microsoft.com/office/drawing/2014/main" id="{0F7DBE15-9548-4480-A265-1C6C36EC9F7D}"/>
               </a:ext>
             </a:extLst>
           </p:cNvPr>
-          <p:cNvSpPr>
-            <a:spLocks noGrp="1"/>
-          </p:cNvSpPr>
+          <p:cNvPicPr>
+            <a:picLocks noGrp="1" noChangeAspect="1"/>
+          </p:cNvPicPr>
           <p:nvPr>
             <p:ph idx="1"/>
           </p:nvPr>
-        </p:nvSpPr>
-        <p:spPr/>
-        <p:txBody>
-          <a:bodyPr/>
-          <a:lstStyle/>
-          <a:p>
-            <a:endParaRPr lang="en-IN" dirty="0"/>
-          </a:p>
-        </p:txBody>
-      </p:sp>
+        </p:nvPicPr>
+        <p:blipFill rotWithShape="1">
+          <a:blip r:embed="rId2">
+            <a:extLst>
+              <a:ext uri="{28A0092B-C50C-407E-A947-70E740481C1C}">
+                <a14:useLocalDpi xmlns:a14="http://schemas.microsoft.com/office/drawing/2010/main" val="0"/>
+              </a:ext>
+            </a:extLst>
+          </a:blip>
+          <a:srcRect l="910" t="13345" b="10270"/>
+          <a:stretch/>
+        </p:blipFill>
+        <p:spPr>
+          <a:xfrm>
+            <a:off x="1588655" y="2678545"/>
+            <a:ext cx="6837530" cy="2964873"/>
+          </a:xfrm>
+        </p:spPr>
+      </p:pic>
     </p:spTree>
     <p:extLst>
       <p:ext uri="{BB962C8B-B14F-4D97-AF65-F5344CB8AC3E}">
@@ -6470,12 +6328,34 @@
             <p:ph idx="1"/>
           </p:nvPr>
         </p:nvSpPr>
-        <p:spPr/>
+        <p:spPr>
+          <a:xfrm>
+            <a:off x="748144" y="1930401"/>
+            <a:ext cx="8525857" cy="4110962"/>
+          </a:xfrm>
+        </p:spPr>
         <p:txBody>
           <a:bodyPr/>
           <a:lstStyle/>
           <a:p>
-            <a:endParaRPr lang="en-IN" dirty="0"/>
+            <a:r>
+              <a:rPr lang="en-IN" dirty="0"/>
+              <a:t>Learnt more about how to work with Django and its superior use over simply designing a website from scratch.</a:t>
+            </a:r>
+          </a:p>
+          <a:p>
+            <a:r>
+              <a:rPr lang="en-IN" dirty="0"/>
+              <a:t>Database creation was made so much easier with the use of models.py and the </a:t>
+            </a:r>
+            <a:r>
+              <a:rPr lang="en-IN" dirty="0" err="1"/>
+              <a:t>makemigrations</a:t>
+            </a:r>
+            <a:r>
+              <a:rPr lang="en-IN" dirty="0"/>
+              <a:t>, we definitely learnt a lot from it.</a:t>
+            </a:r>
           </a:p>
         </p:txBody>
       </p:sp>
@@ -6514,7 +6394,7 @@
           <p:cNvPr id="2" name="Title 1">
             <a:extLst>
               <a:ext uri="{FF2B5EF4-FFF2-40B4-BE49-F238E27FC236}">
-                <a16:creationId xmlns:a16="http://schemas.microsoft.com/office/drawing/2014/main" id="{2B4221B5-DFAF-482F-831D-47E56B54CAD6}"/>
+                <a16:creationId xmlns:a16="http://schemas.microsoft.com/office/drawing/2014/main" id="{44723607-F948-4416-BE17-BE75FB5D9F31}"/>
               </a:ext>
             </a:extLst>
           </p:cNvPr>
@@ -6527,10 +6407,20 @@
         </p:nvSpPr>
         <p:spPr/>
         <p:txBody>
-          <a:bodyPr/>
-          <a:lstStyle/>
-          <a:p>
-            <a:endParaRPr lang="en-IN" dirty="0"/>
+          <a:bodyPr>
+            <a:normAutofit/>
+          </a:bodyPr>
+          <a:lstStyle/>
+          <a:p>
+            <a:pPr algn="ctr"/>
+            <a:r>
+              <a:rPr lang="en-IN" sz="4800" b="1" dirty="0">
+                <a:solidFill>
+                  <a:schemeClr val="tx1"/>
+                </a:solidFill>
+              </a:rPr>
+              <a:t>CHALLENGES</a:t>
+            </a:r>
           </a:p>
         </p:txBody>
       </p:sp>
@@ -6539,7 +6429,7 @@
           <p:cNvPr id="3" name="Content Placeholder 2">
             <a:extLst>
               <a:ext uri="{FF2B5EF4-FFF2-40B4-BE49-F238E27FC236}">
-                <a16:creationId xmlns:a16="http://schemas.microsoft.com/office/drawing/2014/main" id="{657AB7A2-1A5D-4446-BD85-AABB864C1EEC}"/>
+                <a16:creationId xmlns:a16="http://schemas.microsoft.com/office/drawing/2014/main" id="{F2763A1A-B14F-48CC-8AB6-12717FDDE281}"/>
               </a:ext>
             </a:extLst>
           </p:cNvPr>
@@ -6555,14 +6445,17 @@
           <a:bodyPr/>
           <a:lstStyle/>
           <a:p>
-            <a:endParaRPr lang="en-IN"/>
+            <a:r>
+              <a:rPr lang="en-IN" dirty="0"/>
+              <a:t>Working with multiple users and for each user having their own models, and where we had to mandate the authentication for each user.</a:t>
+            </a:r>
           </a:p>
         </p:txBody>
       </p:sp>
     </p:spTree>
     <p:extLst>
       <p:ext uri="{BB962C8B-B14F-4D97-AF65-F5344CB8AC3E}">
-        <p14:creationId xmlns:p14="http://schemas.microsoft.com/office/powerpoint/2010/main" val="2306620776"/>
+        <p14:creationId xmlns:p14="http://schemas.microsoft.com/office/powerpoint/2010/main" val="1601600256"/>
       </p:ext>
     </p:extLst>
   </p:cSld>
@@ -6594,7 +6487,7 @@
           <p:cNvPr id="2" name="Title 1">
             <a:extLst>
               <a:ext uri="{FF2B5EF4-FFF2-40B4-BE49-F238E27FC236}">
-                <a16:creationId xmlns:a16="http://schemas.microsoft.com/office/drawing/2014/main" id="{44723607-F948-4416-BE17-BE75FB5D9F31}"/>
+                <a16:creationId xmlns:a16="http://schemas.microsoft.com/office/drawing/2014/main" id="{003B68D0-DE07-40B2-97BD-3C3E5FCE55B4}"/>
               </a:ext>
             </a:extLst>
           </p:cNvPr>
@@ -6602,10 +6495,15 @@
             <a:spLocks noGrp="1"/>
           </p:cNvSpPr>
           <p:nvPr>
-            <p:ph type="title"/>
-          </p:nvPr>
-        </p:nvSpPr>
-        <p:spPr/>
+            <p:ph type="ctrTitle"/>
+          </p:nvPr>
+        </p:nvSpPr>
+        <p:spPr>
+          <a:xfrm>
+            <a:off x="1524000" y="516835"/>
+            <a:ext cx="9144000" cy="954156"/>
+          </a:xfrm>
+        </p:spPr>
         <p:txBody>
           <a:bodyPr>
             <a:normAutofit/>
@@ -6616,20 +6514,22 @@
             <a:r>
               <a:rPr lang="en-IN" sz="4800" b="1" dirty="0">
                 <a:solidFill>
-                  <a:schemeClr val="tx1"/>
+                  <a:schemeClr val="accent6">
+                    <a:lumMod val="50000"/>
+                  </a:schemeClr>
                 </a:solidFill>
               </a:rPr>
-              <a:t>CHALLENGES</a:t>
-            </a:r>
-          </a:p>
-        </p:txBody>
-      </p:sp>
-      <p:sp>
-        <p:nvSpPr>
-          <p:cNvPr id="3" name="Content Placeholder 2">
+              <a:t>CONTACT INFORMATION</a:t>
+            </a:r>
+          </a:p>
+        </p:txBody>
+      </p:sp>
+      <p:sp>
+        <p:nvSpPr>
+          <p:cNvPr id="3" name="Subtitle 2">
             <a:extLst>
               <a:ext uri="{FF2B5EF4-FFF2-40B4-BE49-F238E27FC236}">
-                <a16:creationId xmlns:a16="http://schemas.microsoft.com/office/drawing/2014/main" id="{F2763A1A-B14F-48CC-8AB6-12717FDDE281}"/>
+                <a16:creationId xmlns:a16="http://schemas.microsoft.com/office/drawing/2014/main" id="{578A04F7-B859-4C2D-A366-E385BAF7A612}"/>
               </a:ext>
             </a:extLst>
           </p:cNvPr>
@@ -6637,164 +6537,188 @@
             <a:spLocks noGrp="1"/>
           </p:cNvSpPr>
           <p:nvPr>
-            <p:ph idx="1"/>
-          </p:nvPr>
-        </p:nvSpPr>
-        <p:spPr/>
-        <p:txBody>
-          <a:bodyPr/>
+            <p:ph type="subTitle" idx="1"/>
+          </p:nvPr>
+        </p:nvSpPr>
+        <p:spPr>
+          <a:xfrm>
+            <a:off x="1524000" y="1775791"/>
+            <a:ext cx="9144000" cy="4267200"/>
+          </a:xfrm>
+        </p:spPr>
+        <p:txBody>
+          <a:bodyPr numCol="3"/>
           <a:lstStyle/>
           <a:p>
             <a:endParaRPr lang="en-IN" dirty="0"/>
+          </a:p>
+          <a:p>
+            <a:pPr marL="342900" indent="-342900" algn="l">
+              <a:buFont typeface="Arial" panose="020B0604020202020204" pitchFamily="34" charset="0"/>
+              <a:buChar char="•"/>
+            </a:pPr>
+            <a:r>
+              <a:rPr lang="en-IN" sz="2000" dirty="0">
+                <a:solidFill>
+                  <a:schemeClr val="tx1"/>
+                </a:solidFill>
+              </a:rPr>
+              <a:t>      KHUSHI M </a:t>
+            </a:r>
+            <a:r>
+              <a:rPr lang="en-IN" sz="1800" dirty="0">
+                <a:solidFill>
+                  <a:schemeClr val="tx1"/>
+                </a:solidFill>
+              </a:rPr>
+              <a:t>PES1201701416  </a:t>
+            </a:r>
+            <a:r>
+              <a:rPr lang="en-IN" sz="1800" dirty="0">
+                <a:solidFill>
+                  <a:schemeClr val="tx1"/>
+                </a:solidFill>
+                <a:hlinkClick r:id="rId2"/>
+              </a:rPr>
+              <a:t>khushim13@gmail.com</a:t>
+            </a:r>
+            <a:endParaRPr lang="en-IN" sz="1800" dirty="0">
+              <a:solidFill>
+                <a:schemeClr val="tx1"/>
+              </a:solidFill>
+            </a:endParaRPr>
+          </a:p>
+          <a:p>
+            <a:pPr marL="342900" indent="-342900" algn="l">
+              <a:buFont typeface="Arial" panose="020B0604020202020204" pitchFamily="34" charset="0"/>
+              <a:buChar char="•"/>
+            </a:pPr>
+            <a:endParaRPr lang="en-IN" sz="1800" dirty="0">
+              <a:solidFill>
+                <a:schemeClr val="tx1"/>
+              </a:solidFill>
+            </a:endParaRPr>
+          </a:p>
+          <a:p>
+            <a:pPr marL="342900" indent="-342900" algn="ctr">
+              <a:buFont typeface="Arial" panose="020B0604020202020204" pitchFamily="34" charset="0"/>
+              <a:buChar char="•"/>
+            </a:pPr>
+            <a:r>
+              <a:rPr lang="en-IN" sz="2000" dirty="0">
+                <a:solidFill>
+                  <a:schemeClr val="tx1"/>
+                </a:solidFill>
+              </a:rPr>
+              <a:t>VARSHA C</a:t>
+            </a:r>
+          </a:p>
+          <a:p>
+            <a:pPr lvl="1"/>
+            <a:r>
+              <a:rPr lang="en-IN" sz="1800" dirty="0">
+                <a:solidFill>
+                  <a:schemeClr val="tx1"/>
+                </a:solidFill>
+              </a:rPr>
+              <a:t>PES1201701387</a:t>
+            </a:r>
+          </a:p>
+          <a:p>
+            <a:pPr lvl="1" algn="l"/>
+            <a:r>
+              <a:rPr lang="en-IN" sz="1800" dirty="0">
+                <a:solidFill>
+                  <a:schemeClr val="tx1"/>
+                </a:solidFill>
+              </a:rPr>
+              <a:t>varshamahadev30@gmail.com</a:t>
+            </a:r>
+          </a:p>
+          <a:p>
+            <a:pPr marL="342900" indent="-342900" algn="ctr">
+              <a:buFont typeface="Arial" panose="020B0604020202020204" pitchFamily="34" charset="0"/>
+              <a:buChar char="•"/>
+            </a:pPr>
+            <a:endParaRPr lang="en-IN" sz="2000" dirty="0">
+              <a:solidFill>
+                <a:schemeClr val="tx1"/>
+              </a:solidFill>
+            </a:endParaRPr>
+          </a:p>
+          <a:p>
+            <a:pPr marL="342900" indent="-342900" algn="ctr">
+              <a:buFont typeface="Arial" panose="020B0604020202020204" pitchFamily="34" charset="0"/>
+              <a:buChar char="•"/>
+            </a:pPr>
+            <a:endParaRPr lang="en-IN" sz="2000" dirty="0">
+              <a:solidFill>
+                <a:schemeClr val="tx1"/>
+              </a:solidFill>
+            </a:endParaRPr>
+          </a:p>
+          <a:p>
+            <a:pPr marL="342900" indent="-342900" algn="ctr">
+              <a:buFont typeface="Arial" panose="020B0604020202020204" pitchFamily="34" charset="0"/>
+              <a:buChar char="•"/>
+            </a:pPr>
+            <a:endParaRPr lang="en-IN" sz="2000" dirty="0">
+              <a:solidFill>
+                <a:schemeClr val="tx1"/>
+              </a:solidFill>
+            </a:endParaRPr>
+          </a:p>
+          <a:p>
+            <a:pPr marL="342900" indent="-342900" algn="ctr">
+              <a:buFont typeface="Arial" panose="020B0604020202020204" pitchFamily="34" charset="0"/>
+              <a:buChar char="•"/>
+            </a:pPr>
+            <a:r>
+              <a:rPr lang="en-IN" sz="2000" dirty="0">
+                <a:solidFill>
+                  <a:schemeClr val="tx1"/>
+                </a:solidFill>
+              </a:rPr>
+              <a:t>RADHIKA S</a:t>
+            </a:r>
+          </a:p>
+          <a:p>
+            <a:pPr lvl="1"/>
+            <a:r>
+              <a:rPr lang="en-IN" sz="1800" dirty="0">
+                <a:solidFill>
+                  <a:schemeClr val="tx1"/>
+                </a:solidFill>
+              </a:rPr>
+              <a:t>PES1201701702</a:t>
+            </a:r>
+          </a:p>
+          <a:p>
+            <a:pPr lvl="1"/>
+            <a:r>
+              <a:rPr lang="en-IN" dirty="0"/>
+              <a:t>radhikasadanand55@gmail.com</a:t>
+            </a:r>
+            <a:endParaRPr lang="en-IN" sz="1800" dirty="0">
+              <a:solidFill>
+                <a:schemeClr val="tx1"/>
+              </a:solidFill>
+            </a:endParaRPr>
+          </a:p>
+          <a:p>
+            <a:pPr lvl="1"/>
+            <a:endParaRPr lang="en-IN" sz="1800" dirty="0">
+              <a:solidFill>
+                <a:schemeClr val="tx1"/>
+              </a:solidFill>
+            </a:endParaRPr>
           </a:p>
         </p:txBody>
       </p:sp>
     </p:spTree>
     <p:extLst>
       <p:ext uri="{BB962C8B-B14F-4D97-AF65-F5344CB8AC3E}">
-        <p14:creationId xmlns:p14="http://schemas.microsoft.com/office/powerpoint/2010/main" val="1601600256"/>
-      </p:ext>
-    </p:extLst>
-  </p:cSld>
-  <p:clrMapOvr>
-    <a:masterClrMapping/>
-  </p:clrMapOvr>
-</p:sld>
-</file>
-
-<file path=ppt/slides/slide8.xml><?xml version="1.0" encoding="utf-8"?>
-<p:sld xmlns:a="http://schemas.openxmlformats.org/drawingml/2006/main" xmlns:r="http://schemas.openxmlformats.org/officeDocument/2006/relationships" xmlns:p="http://schemas.openxmlformats.org/presentationml/2006/main">
-  <p:cSld>
-    <p:spTree>
-      <p:nvGrpSpPr>
-        <p:cNvPr id="1" name=""/>
-        <p:cNvGrpSpPr/>
-        <p:nvPr/>
-      </p:nvGrpSpPr>
-      <p:grpSpPr>
-        <a:xfrm>
-          <a:off x="0" y="0"/>
-          <a:ext cx="0" cy="0"/>
-          <a:chOff x="0" y="0"/>
-          <a:chExt cx="0" cy="0"/>
-        </a:xfrm>
-      </p:grpSpPr>
-      <p:sp>
-        <p:nvSpPr>
-          <p:cNvPr id="2" name="Title 1">
-            <a:extLst>
-              <a:ext uri="{FF2B5EF4-FFF2-40B4-BE49-F238E27FC236}">
-                <a16:creationId xmlns:a16="http://schemas.microsoft.com/office/drawing/2014/main" id="{B1150924-E5E0-497F-9CA0-5736D3541E65}"/>
-              </a:ext>
-            </a:extLst>
-          </p:cNvPr>
-          <p:cNvSpPr>
-            <a:spLocks noGrp="1"/>
-          </p:cNvSpPr>
-          <p:nvPr>
-            <p:ph type="title"/>
-          </p:nvPr>
-        </p:nvSpPr>
-        <p:spPr/>
-        <p:txBody>
-          <a:bodyPr/>
-          <a:lstStyle/>
-          <a:p>
-            <a:endParaRPr lang="en-IN" dirty="0"/>
-          </a:p>
-        </p:txBody>
-      </p:sp>
-    </p:spTree>
-    <p:extLst>
-      <p:ext uri="{BB962C8B-B14F-4D97-AF65-F5344CB8AC3E}">
-        <p14:creationId xmlns:p14="http://schemas.microsoft.com/office/powerpoint/2010/main" val="1281774683"/>
-      </p:ext>
-    </p:extLst>
-  </p:cSld>
-  <p:clrMapOvr>
-    <a:masterClrMapping/>
-  </p:clrMapOvr>
-</p:sld>
-</file>
-
-<file path=ppt/slides/slide9.xml><?xml version="1.0" encoding="utf-8"?>
-<p:sld xmlns:a="http://schemas.openxmlformats.org/drawingml/2006/main" xmlns:r="http://schemas.openxmlformats.org/officeDocument/2006/relationships" xmlns:p="http://schemas.openxmlformats.org/presentationml/2006/main">
-  <p:cSld>
-    <p:spTree>
-      <p:nvGrpSpPr>
-        <p:cNvPr id="1" name=""/>
-        <p:cNvGrpSpPr/>
-        <p:nvPr/>
-      </p:nvGrpSpPr>
-      <p:grpSpPr>
-        <a:xfrm>
-          <a:off x="0" y="0"/>
-          <a:ext cx="0" cy="0"/>
-          <a:chOff x="0" y="0"/>
-          <a:chExt cx="0" cy="0"/>
-        </a:xfrm>
-      </p:grpSpPr>
-      <p:sp>
-        <p:nvSpPr>
-          <p:cNvPr id="2" name="Title 1">
-            <a:extLst>
-              <a:ext uri="{FF2B5EF4-FFF2-40B4-BE49-F238E27FC236}">
-                <a16:creationId xmlns:a16="http://schemas.microsoft.com/office/drawing/2014/main" id="{1D346851-A569-4E3C-A26C-33F244D09490}"/>
-              </a:ext>
-            </a:extLst>
-          </p:cNvPr>
-          <p:cNvSpPr>
-            <a:spLocks noGrp="1"/>
-          </p:cNvSpPr>
-          <p:nvPr>
-            <p:ph type="title"/>
-          </p:nvPr>
-        </p:nvSpPr>
-        <p:spPr/>
-        <p:txBody>
-          <a:bodyPr/>
-          <a:lstStyle/>
-          <a:p>
-            <a:r>
-              <a:rPr lang="en-IN" b="1" dirty="0">
-                <a:solidFill>
-                  <a:schemeClr val="tx1"/>
-                </a:solidFill>
-              </a:rPr>
-              <a:t>WEBSITE LINK</a:t>
-            </a:r>
-          </a:p>
-        </p:txBody>
-      </p:sp>
-      <p:sp>
-        <p:nvSpPr>
-          <p:cNvPr id="3" name="Content Placeholder 2">
-            <a:extLst>
-              <a:ext uri="{FF2B5EF4-FFF2-40B4-BE49-F238E27FC236}">
-                <a16:creationId xmlns:a16="http://schemas.microsoft.com/office/drawing/2014/main" id="{3663A824-7F3D-41A7-9828-1CB785EB0A19}"/>
-              </a:ext>
-            </a:extLst>
-          </p:cNvPr>
-          <p:cNvSpPr>
-            <a:spLocks noGrp="1"/>
-          </p:cNvSpPr>
-          <p:nvPr>
-            <p:ph idx="1"/>
-          </p:nvPr>
-        </p:nvSpPr>
-        <p:spPr/>
-        <p:txBody>
-          <a:bodyPr/>
-          <a:lstStyle/>
-          <a:p>
-            <a:endParaRPr lang="en-IN" dirty="0"/>
-          </a:p>
-        </p:txBody>
-      </p:sp>
-    </p:spTree>
-    <p:extLst>
-      <p:ext uri="{BB962C8B-B14F-4D97-AF65-F5344CB8AC3E}">
-        <p14:creationId xmlns:p14="http://schemas.microsoft.com/office/powerpoint/2010/main" val="1492605834"/>
+        <p14:creationId xmlns:p14="http://schemas.microsoft.com/office/powerpoint/2010/main" val="2456725575"/>
       </p:ext>
     </p:extLst>
   </p:cSld>
